--- a/20150429-managing_password_security_in_2015.pptx
+++ b/20150429-managing_password_security_in_2015.pptx
@@ -218,7 +218,7 @@
           <a:p>
             <a:fld id="{740616EA-7DD0-4941-A75A-3667382BAFA7}" type="datetimeFigureOut">
               <a:rPr lang="en-AU" smtClean="0"/>
-              <a:t>28/04/2015</a:t>
+              <a:t>6/06/2016</a:t>
             </a:fld>
             <a:endParaRPr lang="en-AU"/>
           </a:p>
@@ -384,7 +384,7 @@
           <a:p>
             <a:fld id="{587278A0-4A02-4D4B-A8AB-1E1752F8063F}" type="datetimeFigureOut">
               <a:rPr lang="en-AU" smtClean="0"/>
-              <a:t>28/04/2015</a:t>
+              <a:t>6/06/2016</a:t>
             </a:fld>
             <a:endParaRPr lang="en-AU"/>
           </a:p>
@@ -3309,11 +3309,7 @@
             </a:r>
             <a:r>
               <a:rPr lang="en-US" baseline="0" dirty="0" smtClean="0"/>
-              <a:t>() -&gt; timing attack, stops as soon as first </a:t>
-            </a:r>
-            <a:r>
-              <a:rPr lang="en-US" baseline="0" dirty="0" smtClean="0"/>
-              <a:t>mismatch</a:t>
+              <a:t>() -&gt; timing attack, stops as soon as first mismatch</a:t>
             </a:r>
           </a:p>
           <a:p>
@@ -4091,7 +4087,7 @@
           <a:p>
             <a:fld id="{0EAB0777-4C60-462E-A92C-CDAFD498799C}" type="datetimeFigureOut">
               <a:rPr lang="en-US" smtClean="0"/>
-              <a:t>4/28/2015</a:t>
+              <a:t>6/6/2016</a:t>
             </a:fld>
             <a:endParaRPr lang="en-US"/>
           </a:p>
@@ -4260,7 +4256,7 @@
           <a:p>
             <a:fld id="{0EAB0777-4C60-462E-A92C-CDAFD498799C}" type="datetimeFigureOut">
               <a:rPr lang="en-US" smtClean="0"/>
-              <a:t>4/28/2015</a:t>
+              <a:t>6/6/2016</a:t>
             </a:fld>
             <a:endParaRPr lang="en-US"/>
           </a:p>
@@ -4506,7 +4502,7 @@
           <a:p>
             <a:fld id="{0EAB0777-4C60-462E-A92C-CDAFD498799C}" type="datetimeFigureOut">
               <a:rPr lang="en-US" smtClean="0"/>
-              <a:t>4/28/2015</a:t>
+              <a:t>6/6/2016</a:t>
             </a:fld>
             <a:endParaRPr lang="en-US"/>
           </a:p>
@@ -4774,7 +4770,7 @@
           <a:p>
             <a:fld id="{0EAB0777-4C60-462E-A92C-CDAFD498799C}" type="datetimeFigureOut">
               <a:rPr lang="en-US" smtClean="0"/>
-              <a:t>4/28/2015</a:t>
+              <a:t>6/6/2016</a:t>
             </a:fld>
             <a:endParaRPr lang="en-US"/>
           </a:p>
@@ -5156,7 +5152,7 @@
           <a:p>
             <a:fld id="{0EAB0777-4C60-462E-A92C-CDAFD498799C}" type="datetimeFigureOut">
               <a:rPr lang="en-US" smtClean="0"/>
-              <a:t>4/28/2015</a:t>
+              <a:t>6/6/2016</a:t>
             </a:fld>
             <a:endParaRPr lang="en-US"/>
           </a:p>
@@ -5310,7 +5306,7 @@
           <a:p>
             <a:fld id="{0EAB0777-4C60-462E-A92C-CDAFD498799C}" type="datetimeFigureOut">
               <a:rPr lang="en-US" smtClean="0"/>
-              <a:t>4/28/2015</a:t>
+              <a:t>6/6/2016</a:t>
             </a:fld>
             <a:endParaRPr lang="en-US"/>
           </a:p>
@@ -5404,7 +5400,7 @@
           <a:p>
             <a:fld id="{0EAB0777-4C60-462E-A92C-CDAFD498799C}" type="datetimeFigureOut">
               <a:rPr lang="en-US" smtClean="0"/>
-              <a:t>4/28/2015</a:t>
+              <a:t>6/6/2016</a:t>
             </a:fld>
             <a:endParaRPr lang="en-US"/>
           </a:p>
@@ -5669,7 +5665,7 @@
           <a:p>
             <a:fld id="{0EAB0777-4C60-462E-A92C-CDAFD498799C}" type="datetimeFigureOut">
               <a:rPr lang="en-US" smtClean="0"/>
-              <a:t>4/28/2015</a:t>
+              <a:t>6/6/2016</a:t>
             </a:fld>
             <a:endParaRPr lang="en-US"/>
           </a:p>
@@ -6152,7 +6148,7 @@
           <a:p>
             <a:fld id="{0EAB0777-4C60-462E-A92C-CDAFD498799C}" type="datetimeFigureOut">
               <a:rPr lang="en-US" smtClean="0"/>
-              <a:t>4/28/2015</a:t>
+              <a:t>6/6/2016</a:t>
             </a:fld>
             <a:endParaRPr lang="en-US"/>
           </a:p>
@@ -6628,7 +6624,7 @@
           <a:p>
             <a:fld id="{0EAB0777-4C60-462E-A92C-CDAFD498799C}" type="datetimeFigureOut">
               <a:rPr lang="en-US" smtClean="0"/>
-              <a:t>4/28/2015</a:t>
+              <a:t>6/6/2016</a:t>
             </a:fld>
             <a:endParaRPr lang="en-US"/>
           </a:p>
@@ -6807,7 +6803,7 @@
           <a:p>
             <a:fld id="{0EAB0777-4C60-462E-A92C-CDAFD498799C}" type="datetimeFigureOut">
               <a:rPr lang="en-US" smtClean="0"/>
-              <a:t>4/28/2015</a:t>
+              <a:t>6/6/2016</a:t>
             </a:fld>
             <a:endParaRPr lang="en-US"/>
           </a:p>
@@ -9450,7 +9446,7 @@
           <a:p>
             <a:fld id="{0EAB0777-4C60-462E-A92C-CDAFD498799C}" type="datetimeFigureOut">
               <a:rPr lang="en-US" smtClean="0"/>
-              <a:t>4/28/2015</a:t>
+              <a:t>6/6/2016</a:t>
             </a:fld>
             <a:endParaRPr lang="en-US"/>
           </a:p>
@@ -12111,13 +12107,8 @@
           <a:p>
             <a:r>
               <a:rPr lang="en-AU" sz="2400" dirty="0" smtClean="0"/>
-              <a:t>It’s all too hard</a:t>
-            </a:r>
-            <a:r>
-              <a:rPr lang="en-AU" sz="2400" dirty="0" smtClean="0"/>
-              <a:t>!  - not really</a:t>
-            </a:r>
-            <a:endParaRPr lang="en-AU" sz="2400" dirty="0" smtClean="0"/>
+              <a:t>It’s all too hard!  - not really</a:t>
+            </a:r>
           </a:p>
           <a:p>
             <a:r>
@@ -14342,11 +14333,7 @@
             <a:pPr lvl="1"/>
             <a:r>
               <a:rPr lang="en-US" sz="2000" dirty="0" smtClean="0"/>
-              <a:t>Even today, password security requires OS/system </a:t>
-            </a:r>
-            <a:r>
-              <a:rPr lang="en-US" sz="2000" dirty="0" smtClean="0"/>
-              <a:t>integrity</a:t>
+              <a:t>Even today, password security requires OS/system integrity</a:t>
             </a:r>
           </a:p>
           <a:p>
@@ -14355,7 +14342,6 @@
               <a:rPr lang="en-US" sz="1600" dirty="0" smtClean="0"/>
               <a:t>Every month it seems another site is hacked</a:t>
             </a:r>
-            <a:endParaRPr lang="en-US" sz="1600" dirty="0" smtClean="0"/>
           </a:p>
           <a:p>
             <a:r>
